--- a/slides/06-mathematical-operators.pptx
+++ b/slides/06-mathematical-operators.pptx
@@ -224,7 +224,7 @@
           <a:p>
             <a:fld id="{3CBB8A52-8AC5-C74C-97FB-632C448F3674}" type="datetimeFigureOut">
               <a:rPr lang="en-US" smtClean="0"/>
-              <a:t>9/18/23</a:t>
+              <a:t>9/20/23</a:t>
             </a:fld>
             <a:endParaRPr lang="en-US"/>
           </a:p>
@@ -1052,7 +1052,7 @@
             <a:fld id="{5586B75A-687E-405C-8A0B-8D00578BA2C3}" type="datetimeFigureOut">
               <a:rPr lang="en-US" smtClean="0"/>
               <a:pPr/>
-              <a:t>9/18/23</a:t>
+              <a:t>9/20/23</a:t>
             </a:fld>
             <a:endParaRPr lang="en-US" dirty="0"/>
           </a:p>
@@ -1224,7 +1224,7 @@
             <a:fld id="{5586B75A-687E-405C-8A0B-8D00578BA2C3}" type="datetimeFigureOut">
               <a:rPr lang="en-US" smtClean="0"/>
               <a:pPr/>
-              <a:t>9/18/23</a:t>
+              <a:t>9/20/23</a:t>
             </a:fld>
             <a:endParaRPr lang="en-US" dirty="0"/>
           </a:p>
@@ -1406,7 +1406,7 @@
             <a:fld id="{5586B75A-687E-405C-8A0B-8D00578BA2C3}" type="datetimeFigureOut">
               <a:rPr lang="en-US" smtClean="0"/>
               <a:pPr/>
-              <a:t>9/18/23</a:t>
+              <a:t>9/20/23</a:t>
             </a:fld>
             <a:endParaRPr lang="en-US" dirty="0"/>
           </a:p>
@@ -1578,7 +1578,7 @@
             <a:fld id="{5586B75A-687E-405C-8A0B-8D00578BA2C3}" type="datetimeFigureOut">
               <a:rPr lang="en-US" smtClean="0"/>
               <a:pPr/>
-              <a:t>9/18/23</a:t>
+              <a:t>9/20/23</a:t>
             </a:fld>
             <a:endParaRPr lang="en-US" dirty="0"/>
           </a:p>
@@ -1834,7 +1834,7 @@
             <a:fld id="{5586B75A-687E-405C-8A0B-8D00578BA2C3}" type="datetimeFigureOut">
               <a:rPr lang="en-US" smtClean="0"/>
               <a:pPr/>
-              <a:t>9/18/23</a:t>
+              <a:t>9/20/23</a:t>
             </a:fld>
             <a:endParaRPr lang="en-US" dirty="0"/>
           </a:p>
@@ -2124,7 +2124,7 @@
             <a:fld id="{5586B75A-687E-405C-8A0B-8D00578BA2C3}" type="datetimeFigureOut">
               <a:rPr lang="en-US" smtClean="0"/>
               <a:pPr/>
-              <a:t>9/18/23</a:t>
+              <a:t>9/20/23</a:t>
             </a:fld>
             <a:endParaRPr lang="en-US" dirty="0"/>
           </a:p>
@@ -2568,7 +2568,7 @@
             <a:fld id="{5586B75A-687E-405C-8A0B-8D00578BA2C3}" type="datetimeFigureOut">
               <a:rPr lang="en-US" smtClean="0"/>
               <a:pPr/>
-              <a:t>9/18/23</a:t>
+              <a:t>9/20/23</a:t>
             </a:fld>
             <a:endParaRPr lang="en-US" dirty="0"/>
           </a:p>
@@ -2688,7 +2688,7 @@
             <a:fld id="{5586B75A-687E-405C-8A0B-8D00578BA2C3}" type="datetimeFigureOut">
               <a:rPr lang="en-US" smtClean="0"/>
               <a:pPr/>
-              <a:t>9/18/23</a:t>
+              <a:t>9/20/23</a:t>
             </a:fld>
             <a:endParaRPr lang="en-US" dirty="0"/>
           </a:p>
@@ -2785,7 +2785,7 @@
             <a:fld id="{5586B75A-687E-405C-8A0B-8D00578BA2C3}" type="datetimeFigureOut">
               <a:rPr lang="en-US" smtClean="0"/>
               <a:pPr/>
-              <a:t>9/18/23</a:t>
+              <a:t>9/20/23</a:t>
             </a:fld>
             <a:endParaRPr lang="en-US" dirty="0"/>
           </a:p>
@@ -3075,7 +3075,7 @@
             <a:fld id="{5586B75A-687E-405C-8A0B-8D00578BA2C3}" type="datetimeFigureOut">
               <a:rPr lang="en-US" smtClean="0"/>
               <a:pPr/>
-              <a:t>9/18/23</a:t>
+              <a:t>9/20/23</a:t>
             </a:fld>
             <a:endParaRPr lang="en-US" dirty="0"/>
           </a:p>
@@ -3350,7 +3350,7 @@
             <a:fld id="{5586B75A-687E-405C-8A0B-8D00578BA2C3}" type="datetimeFigureOut">
               <a:rPr lang="en-US" smtClean="0"/>
               <a:pPr/>
-              <a:t>9/18/23</a:t>
+              <a:t>9/20/23</a:t>
             </a:fld>
             <a:endParaRPr lang="en-US" dirty="0"/>
           </a:p>
@@ -3649,7 +3649,7 @@
             <a:fld id="{5586B75A-687E-405C-8A0B-8D00578BA2C3}" type="datetimeFigureOut">
               <a:rPr lang="en-US" smtClean="0"/>
               <a:pPr/>
-              <a:t>9/18/23</a:t>
+              <a:t>9/20/23</a:t>
             </a:fld>
             <a:endParaRPr lang="en-US" dirty="0"/>
           </a:p>
@@ -5394,7 +5394,7 @@
 </file>
 
 <file path=ppt/slides/slide14.xml><?xml version="1.0" encoding="utf-8"?>
-<p:sld xmlns:a="http://schemas.openxmlformats.org/drawingml/2006/main" xmlns:r="http://schemas.openxmlformats.org/officeDocument/2006/relationships" xmlns:p="http://schemas.openxmlformats.org/presentationml/2006/main">
+<p:sld xmlns:a="http://schemas.openxmlformats.org/drawingml/2006/main" xmlns:r="http://schemas.openxmlformats.org/officeDocument/2006/relationships" xmlns:p="http://schemas.openxmlformats.org/presentationml/2006/main" show="0">
   <p:cSld>
     <p:spTree>
       <p:nvGrpSpPr>
@@ -5560,7 +5560,7 @@
 </file>
 
 <file path=ppt/slides/slide15.xml><?xml version="1.0" encoding="utf-8"?>
-<p:sld xmlns:a="http://schemas.openxmlformats.org/drawingml/2006/main" xmlns:r="http://schemas.openxmlformats.org/officeDocument/2006/relationships" xmlns:p="http://schemas.openxmlformats.org/presentationml/2006/main">
+<p:sld xmlns:a="http://schemas.openxmlformats.org/drawingml/2006/main" xmlns:r="http://schemas.openxmlformats.org/officeDocument/2006/relationships" xmlns:p="http://schemas.openxmlformats.org/presentationml/2006/main" show="0">
   <p:cSld>
     <p:spTree>
       <p:nvGrpSpPr>
@@ -5776,7 +5776,7 @@
 </file>
 
 <file path=ppt/slides/slide16.xml><?xml version="1.0" encoding="utf-8"?>
-<p:sld xmlns:a="http://schemas.openxmlformats.org/drawingml/2006/main" xmlns:r="http://schemas.openxmlformats.org/officeDocument/2006/relationships" xmlns:p="http://schemas.openxmlformats.org/presentationml/2006/main">
+<p:sld xmlns:a="http://schemas.openxmlformats.org/drawingml/2006/main" xmlns:r="http://schemas.openxmlformats.org/officeDocument/2006/relationships" xmlns:p="http://schemas.openxmlformats.org/presentationml/2006/main" show="0">
   <p:cSld>
     <p:spTree>
       <p:nvGrpSpPr>
@@ -6071,7 +6071,7 @@
 </file>
 
 <file path=ppt/slides/slide17.xml><?xml version="1.0" encoding="utf-8"?>
-<p:sld xmlns:a="http://schemas.openxmlformats.org/drawingml/2006/main" xmlns:r="http://schemas.openxmlformats.org/officeDocument/2006/relationships" xmlns:p="http://schemas.openxmlformats.org/presentationml/2006/main">
+<p:sld xmlns:a="http://schemas.openxmlformats.org/drawingml/2006/main" xmlns:r="http://schemas.openxmlformats.org/officeDocument/2006/relationships" xmlns:p="http://schemas.openxmlformats.org/presentationml/2006/main" show="0">
   <p:cSld>
     <p:spTree>
       <p:nvGrpSpPr>
@@ -6386,7 +6386,7 @@
 </file>
 
 <file path=ppt/slides/slide18.xml><?xml version="1.0" encoding="utf-8"?>
-<p:sld xmlns:a="http://schemas.openxmlformats.org/drawingml/2006/main" xmlns:r="http://schemas.openxmlformats.org/officeDocument/2006/relationships" xmlns:p="http://schemas.openxmlformats.org/presentationml/2006/main">
+<p:sld xmlns:a="http://schemas.openxmlformats.org/drawingml/2006/main" xmlns:r="http://schemas.openxmlformats.org/officeDocument/2006/relationships" xmlns:p="http://schemas.openxmlformats.org/presentationml/2006/main" show="0">
   <p:cSld>
     <p:spTree>
       <p:nvGrpSpPr>
@@ -6714,7 +6714,7 @@
 </file>
 
 <file path=ppt/slides/slide19.xml><?xml version="1.0" encoding="utf-8"?>
-<p:sld xmlns:a="http://schemas.openxmlformats.org/drawingml/2006/main" xmlns:r="http://schemas.openxmlformats.org/officeDocument/2006/relationships" xmlns:p="http://schemas.openxmlformats.org/presentationml/2006/main">
+<p:sld xmlns:a="http://schemas.openxmlformats.org/drawingml/2006/main" xmlns:r="http://schemas.openxmlformats.org/officeDocument/2006/relationships" xmlns:p="http://schemas.openxmlformats.org/presentationml/2006/main" show="0">
   <p:cSld>
     <p:spTree>
       <p:nvGrpSpPr>
@@ -6999,7 +6999,7 @@
 </file>
 
 <file path=ppt/slides/slide20.xml><?xml version="1.0" encoding="utf-8"?>
-<p:sld xmlns:a="http://schemas.openxmlformats.org/drawingml/2006/main" xmlns:r="http://schemas.openxmlformats.org/officeDocument/2006/relationships" xmlns:p="http://schemas.openxmlformats.org/presentationml/2006/main">
+<p:sld xmlns:a="http://schemas.openxmlformats.org/drawingml/2006/main" xmlns:r="http://schemas.openxmlformats.org/officeDocument/2006/relationships" xmlns:p="http://schemas.openxmlformats.org/presentationml/2006/main" show="0">
   <p:cSld>
     <p:spTree>
       <p:nvGrpSpPr>
@@ -7517,7 +7517,7 @@
 </file>
 
 <file path=ppt/slides/slide21.xml><?xml version="1.0" encoding="utf-8"?>
-<p:sld xmlns:a="http://schemas.openxmlformats.org/drawingml/2006/main" xmlns:r="http://schemas.openxmlformats.org/officeDocument/2006/relationships" xmlns:p="http://schemas.openxmlformats.org/presentationml/2006/main">
+<p:sld xmlns:a="http://schemas.openxmlformats.org/drawingml/2006/main" xmlns:r="http://schemas.openxmlformats.org/officeDocument/2006/relationships" xmlns:p="http://schemas.openxmlformats.org/presentationml/2006/main" show="0">
   <p:cSld>
     <p:spTree>
       <p:nvGrpSpPr>
@@ -7768,7 +7768,7 @@
 </file>
 
 <file path=ppt/slides/slide22.xml><?xml version="1.0" encoding="utf-8"?>
-<p:sld xmlns:a="http://schemas.openxmlformats.org/drawingml/2006/main" xmlns:r="http://schemas.openxmlformats.org/officeDocument/2006/relationships" xmlns:p="http://schemas.openxmlformats.org/presentationml/2006/main">
+<p:sld xmlns:a="http://schemas.openxmlformats.org/drawingml/2006/main" xmlns:r="http://schemas.openxmlformats.org/officeDocument/2006/relationships" xmlns:p="http://schemas.openxmlformats.org/presentationml/2006/main" show="0">
   <p:cSld>
     <p:spTree>
       <p:nvGrpSpPr>
@@ -8116,7 +8116,7 @@
 </file>
 
 <file path=ppt/slides/slide23.xml><?xml version="1.0" encoding="utf-8"?>
-<p:sld xmlns:a="http://schemas.openxmlformats.org/drawingml/2006/main" xmlns:r="http://schemas.openxmlformats.org/officeDocument/2006/relationships" xmlns:p="http://schemas.openxmlformats.org/presentationml/2006/main">
+<p:sld xmlns:a="http://schemas.openxmlformats.org/drawingml/2006/main" xmlns:r="http://schemas.openxmlformats.org/officeDocument/2006/relationships" xmlns:p="http://schemas.openxmlformats.org/presentationml/2006/main" show="0">
   <p:cSld>
     <p:spTree>
       <p:nvGrpSpPr>
@@ -8708,7 +8708,7 @@
 </file>
 
 <file path=ppt/slides/slide24.xml><?xml version="1.0" encoding="utf-8"?>
-<p:sld xmlns:a="http://schemas.openxmlformats.org/drawingml/2006/main" xmlns:r="http://schemas.openxmlformats.org/officeDocument/2006/relationships" xmlns:p="http://schemas.openxmlformats.org/presentationml/2006/main">
+<p:sld xmlns:a="http://schemas.openxmlformats.org/drawingml/2006/main" xmlns:r="http://schemas.openxmlformats.org/officeDocument/2006/relationships" xmlns:p="http://schemas.openxmlformats.org/presentationml/2006/main" show="0">
   <p:cSld>
     <p:spTree>
       <p:nvGrpSpPr>
@@ -8907,7 +8907,7 @@
 </file>
 
 <file path=ppt/slides/slide25.xml><?xml version="1.0" encoding="utf-8"?>
-<p:sld xmlns:a="http://schemas.openxmlformats.org/drawingml/2006/main" xmlns:r="http://schemas.openxmlformats.org/officeDocument/2006/relationships" xmlns:p="http://schemas.openxmlformats.org/presentationml/2006/main">
+<p:sld xmlns:a="http://schemas.openxmlformats.org/drawingml/2006/main" xmlns:r="http://schemas.openxmlformats.org/officeDocument/2006/relationships" xmlns:p="http://schemas.openxmlformats.org/presentationml/2006/main" show="0">
   <p:cSld>
     <p:spTree>
       <p:nvGrpSpPr>
@@ -9100,7 +9100,7 @@
 </file>
 
 <file path=ppt/slides/slide26.xml><?xml version="1.0" encoding="utf-8"?>
-<p:sld xmlns:a="http://schemas.openxmlformats.org/drawingml/2006/main" xmlns:r="http://schemas.openxmlformats.org/officeDocument/2006/relationships" xmlns:p="http://schemas.openxmlformats.org/presentationml/2006/main">
+<p:sld xmlns:a="http://schemas.openxmlformats.org/drawingml/2006/main" xmlns:r="http://schemas.openxmlformats.org/officeDocument/2006/relationships" xmlns:p="http://schemas.openxmlformats.org/presentationml/2006/main" show="0">
   <p:cSld>
     <p:spTree>
       <p:nvGrpSpPr>
@@ -9293,7 +9293,7 @@
 </file>
 
 <file path=ppt/slides/slide27.xml><?xml version="1.0" encoding="utf-8"?>
-<p:sld xmlns:a="http://schemas.openxmlformats.org/drawingml/2006/main" xmlns:r="http://schemas.openxmlformats.org/officeDocument/2006/relationships" xmlns:p="http://schemas.openxmlformats.org/presentationml/2006/main">
+<p:sld xmlns:a="http://schemas.openxmlformats.org/drawingml/2006/main" xmlns:r="http://schemas.openxmlformats.org/officeDocument/2006/relationships" xmlns:p="http://schemas.openxmlformats.org/presentationml/2006/main" show="0">
   <p:cSld>
     <p:spTree>
       <p:nvGrpSpPr>
@@ -9492,7 +9492,7 @@
 </file>
 
 <file path=ppt/slides/slide28.xml><?xml version="1.0" encoding="utf-8"?>
-<p:sld xmlns:a="http://schemas.openxmlformats.org/drawingml/2006/main" xmlns:r="http://schemas.openxmlformats.org/officeDocument/2006/relationships" xmlns:p="http://schemas.openxmlformats.org/presentationml/2006/main">
+<p:sld xmlns:a="http://schemas.openxmlformats.org/drawingml/2006/main" xmlns:r="http://schemas.openxmlformats.org/officeDocument/2006/relationships" xmlns:p="http://schemas.openxmlformats.org/presentationml/2006/main" show="0">
   <p:cSld>
     <p:spTree>
       <p:nvGrpSpPr>
